--- a/koa2.pptx
+++ b/koa2.pptx
@@ -13,6 +13,7 @@
     <p:sldId id="261" r:id="rId8"/>
     <p:sldId id="262" r:id="rId9"/>
     <p:sldId id="263" r:id="rId10"/>
+    <p:sldId id="264" r:id="rId11"/>
   </p:sldIdLst>
   <p:sldSz cx="12192000" cy="6858000"/>
   <p:notesSz cx="6858000" cy="9144000"/>
@@ -3033,7 +3034,7 @@
                 <a:solidFill>
                   <a:srgbClr val="FF0000"/>
                 </a:solidFill>
-                <a:hlinkClick r:id="rId1" tooltip=""/>
+                <a:hlinkClick r:id="rId1"/>
               </a:rPr>
               <a:t>generator</a:t>
             </a:r>
@@ -3365,7 +3366,7 @@
           <a:p>
             <a:r>
               <a:rPr lang="en-US" altLang="zh-CN">
-                <a:hlinkClick r:id="rId1" tooltip="" action="ppaction://hlinkfile"/>
+                <a:hlinkClick r:id="rId1" action="ppaction://hlinkfile"/>
               </a:rPr>
               <a:t>request</a:t>
             </a:r>
@@ -3374,7 +3375,7 @@
           <a:p>
             <a:r>
               <a:rPr lang="en-US" altLang="zh-CN">
-                <a:hlinkClick r:id="rId2" tooltip="" action="ppaction://hlinkfile"/>
+                <a:hlinkClick r:id="rId2" action="ppaction://hlinkfile"/>
               </a:rPr>
               <a:t>response</a:t>
             </a:r>
@@ -3685,6 +3686,199 @@
         <p:spPr/>
         <p:txBody>
           <a:bodyPr/>
+          <a:p>
+            <a:r>
+              <a:rPr lang="zh-CN" altLang="zh-CN">
+                <a:sym typeface="+mn-ea"/>
+              </a:rPr>
+              <a:t>文件地址</a:t>
+            </a:r>
+            <a:r>
+              <a:rPr lang="en-US" altLang="zh-CN">
+                <a:sym typeface="+mn-ea"/>
+              </a:rPr>
+              <a:t>:</a:t>
+            </a:r>
+            <a:r>
+              <a:rPr lang="en-US" altLang="zh-CN">
+                <a:solidFill>
+                  <a:srgbClr val="FF0000"/>
+                </a:solidFill>
+                <a:sym typeface="+mn-ea"/>
+              </a:rPr>
+              <a:t>index_router.js</a:t>
+            </a:r>
+            <a:br>
+              <a:rPr lang="en-US" altLang="zh-CN">
+                <a:sym typeface="+mn-ea"/>
+              </a:rPr>
+            </a:br>
+            <a:r>
+              <a:rPr lang="en-US" altLang="zh-CN">
+                <a:sym typeface="+mn-ea"/>
+              </a:rPr>
+              <a:t>npm</a:t>
+            </a:r>
+            <a:r>
+              <a:rPr lang="zh-CN" altLang="zh-CN">
+                <a:sym typeface="+mn-ea"/>
+              </a:rPr>
+              <a:t>启动命令</a:t>
+            </a:r>
+            <a:r>
+              <a:rPr lang="en-US" altLang="zh-CN">
+                <a:sym typeface="+mn-ea"/>
+              </a:rPr>
+              <a:t>:</a:t>
+            </a:r>
+            <a:r>
+              <a:rPr lang="en-US" altLang="zh-CN">
+                <a:solidFill>
+                  <a:srgbClr val="FF0000"/>
+                </a:solidFill>
+                <a:sym typeface="+mn-ea"/>
+              </a:rPr>
+              <a:t>npm run router</a:t>
+            </a:r>
+            <a:endParaRPr lang="zh-CN" altLang="en-US"/>
+          </a:p>
+        </p:txBody>
+      </p:sp>
+    </p:spTree>
+  </p:cSld>
+  <p:clrMapOvr>
+    <a:masterClrMapping/>
+  </p:clrMapOvr>
+</p:sld>
+</file>
+
+<file path=ppt/slides/slide9.xml><?xml version="1.0" encoding="utf-8"?>
+<p:sld xmlns:a="http://schemas.openxmlformats.org/drawingml/2006/main" xmlns:r="http://schemas.openxmlformats.org/officeDocument/2006/relationships" xmlns:p="http://schemas.openxmlformats.org/presentationml/2006/main">
+  <p:cSld>
+    <p:spTree>
+      <p:nvGrpSpPr>
+        <p:cNvPr id="1" name=""/>
+        <p:cNvGrpSpPr/>
+        <p:nvPr/>
+      </p:nvGrpSpPr>
+      <p:grpSpPr/>
+      <p:sp>
+        <p:nvSpPr>
+          <p:cNvPr id="2" name="标题 1"/>
+          <p:cNvSpPr>
+            <a:spLocks noGrp="1"/>
+          </p:cNvSpPr>
+          <p:nvPr>
+            <p:ph type="title"/>
+          </p:nvPr>
+        </p:nvSpPr>
+        <p:spPr/>
+        <p:txBody>
+          <a:bodyPr/>
+          <a:p>
+            <a:r>
+              <a:rPr lang="zh-CN" altLang="zh-CN"/>
+              <a:t>连接</a:t>
+            </a:r>
+            <a:r>
+              <a:rPr lang="en-US" altLang="zh-CN"/>
+              <a:t>MySql</a:t>
+            </a:r>
+            <a:r>
+              <a:rPr lang="zh-CN" altLang="zh-CN"/>
+              <a:t>数据库</a:t>
+            </a:r>
+            <a:endParaRPr lang="zh-CN" altLang="zh-CN"/>
+          </a:p>
+        </p:txBody>
+      </p:sp>
+      <p:sp>
+        <p:nvSpPr>
+          <p:cNvPr id="3" name="内容占位符 2"/>
+          <p:cNvSpPr>
+            <a:spLocks noGrp="1"/>
+          </p:cNvSpPr>
+          <p:nvPr>
+            <p:ph idx="1"/>
+          </p:nvPr>
+        </p:nvSpPr>
+        <p:spPr/>
+        <p:txBody>
+          <a:bodyPr/>
+          <a:p>
+            <a:r>
+              <a:rPr lang="zh-CN" altLang="en-US"/>
+              <a:t>自定义中间件 （连接</a:t>
+            </a:r>
+            <a:r>
+              <a:rPr lang="en-US" altLang="zh-CN"/>
+              <a:t>Mysql</a:t>
+            </a:r>
+            <a:r>
+              <a:rPr lang="zh-CN" altLang="en-US"/>
+              <a:t>）</a:t>
+            </a:r>
+            <a:endParaRPr lang="zh-CN" altLang="en-US"/>
+          </a:p>
+          <a:p>
+            <a:endParaRPr lang="zh-CN" altLang="en-US"/>
+          </a:p>
+          <a:p>
+            <a:r>
+              <a:rPr lang="zh-CN" altLang="zh-CN">
+                <a:sym typeface="+mn-ea"/>
+              </a:rPr>
+              <a:t>文件地址</a:t>
+            </a:r>
+            <a:r>
+              <a:rPr lang="en-US" altLang="zh-CN">
+                <a:sym typeface="+mn-ea"/>
+              </a:rPr>
+              <a:t>:</a:t>
+            </a:r>
+            <a:r>
+              <a:rPr lang="en-US" altLang="zh-CN">
+                <a:solidFill>
+                  <a:srgbClr val="FF0000"/>
+                </a:solidFill>
+                <a:sym typeface="+mn-ea"/>
+              </a:rPr>
+              <a:t>index_mysql.js</a:t>
+            </a:r>
+            <a:br>
+              <a:rPr lang="en-US" altLang="zh-CN">
+                <a:sym typeface="+mn-ea"/>
+              </a:rPr>
+            </a:br>
+            <a:r>
+              <a:rPr lang="en-US" altLang="zh-CN">
+                <a:sym typeface="+mn-ea"/>
+              </a:rPr>
+              <a:t>npm</a:t>
+            </a:r>
+            <a:r>
+              <a:rPr lang="zh-CN" altLang="zh-CN">
+                <a:sym typeface="+mn-ea"/>
+              </a:rPr>
+              <a:t>启动命令</a:t>
+            </a:r>
+            <a:r>
+              <a:rPr lang="en-US" altLang="zh-CN">
+                <a:sym typeface="+mn-ea"/>
+              </a:rPr>
+              <a:t>:</a:t>
+            </a:r>
+            <a:r>
+              <a:rPr lang="en-US" altLang="zh-CN">
+                <a:solidFill>
+                  <a:srgbClr val="FF0000"/>
+                </a:solidFill>
+                <a:sym typeface="+mn-ea"/>
+              </a:rPr>
+              <a:t>npm run mysql</a:t>
+            </a:r>
+            <a:endParaRPr lang="zh-CN" altLang="en-US"/>
+          </a:p>
           <a:p>
             <a:endParaRPr lang="zh-CN" altLang="en-US"/>
           </a:p>
